--- a/spring13/slides13/paralleltime.pptx
+++ b/spring13/slides13/paralleltime.pptx
@@ -207,7 +207,7 @@
             <a:fld id="{7E67CB53-8D3C-47BE-A7FA-F662C961B657}" type="datetimeFigureOut">
               <a:rPr lang="en-US" smtClean="0"/>
               <a:pPr/>
-              <a:t>3/10/13</a:t>
+              <a:t>3/14/13</a:t>
             </a:fld>
             <a:endParaRPr lang="en-US"/>
           </a:p>
@@ -374,7 +374,7 @@
             <a:fld id="{EFF6E4C5-D825-46D1-9B47-4B12017997CB}" type="datetimeFigureOut">
               <a:rPr lang="en-US" smtClean="0"/>
               <a:pPr/>
-              <a:t>3/10/13</a:t>
+              <a:t>3/14/13</a:t>
             </a:fld>
             <a:endParaRPr lang="en-US"/>
           </a:p>
@@ -3650,7 +3650,7 @@
           <a:graphicData uri="http://schemas.openxmlformats.org/presentationml/2006/ole">
             <mc:AlternateContent xmlns:mc="http://schemas.openxmlformats.org/markup-compatibility/2006">
               <mc:Choice xmlns:v="urn:schemas-microsoft-com:vml" Requires="v">
-                <p:oleObj spid="_x0000_s111655" name="Equation" r:id="rId3" imgW="787400" imgH="406400" progId="Equation.DSMT4">
+                <p:oleObj spid="_x0000_s111659" name="Equation" r:id="rId3" imgW="787400" imgH="406400" progId="Equation.DSMT4">
                   <p:embed/>
                 </p:oleObj>
               </mc:Choice>
@@ -3780,6 +3780,105 @@
           <a:chExt cx="0" cy="0"/>
         </a:xfrm>
       </p:grpSpPr>
+      <p:sp>
+        <p:nvSpPr>
+          <p:cNvPr id="760843" name="Text Box 11"/>
+          <p:cNvSpPr txBox="1">
+            <a:spLocks noChangeArrowheads="1"/>
+          </p:cNvSpPr>
+          <p:nvPr/>
+        </p:nvSpPr>
+        <p:spPr bwMode="auto">
+          <a:xfrm>
+            <a:off x="759412" y="4791205"/>
+            <a:ext cx="7625179" cy="1754327"/>
+          </a:xfrm>
+          <a:prstGeom prst="rect">
+            <a:avLst/>
+          </a:prstGeom>
+          <a:noFill/>
+          <a:ln w="9525">
+            <a:noFill/>
+            <a:miter lim="800000"/>
+            <a:headEnd/>
+            <a:tailEnd type="none" w="lg" len="lg"/>
+          </a:ln>
+          <a:effectLst/>
+        </p:spPr>
+        <p:txBody>
+          <a:bodyPr wrap="none">
+            <a:spAutoFit/>
+          </a:bodyPr>
+          <a:lstStyle/>
+          <a:p>
+            <a:pPr algn="ctr">
+              <a:spcBef>
+                <a:spcPct val="0"/>
+              </a:spcBef>
+            </a:pPr>
+            <a:r>
+              <a:rPr lang="en-US" sz="5400" dirty="0" smtClean="0">
+                <a:solidFill>
+                  <a:srgbClr val="0033CC"/>
+                </a:solidFill>
+                <a:latin typeface="Comic Sans MS" pitchFamily="66" charset="0"/>
+              </a:rPr>
+              <a:t>older</a:t>
+            </a:r>
+          </a:p>
+          <a:p>
+            <a:pPr algn="ctr">
+              <a:spcBef>
+                <a:spcPct val="0"/>
+              </a:spcBef>
+            </a:pPr>
+            <a:r>
+              <a:rPr lang="en-US" sz="5400" dirty="0" smtClean="0">
+                <a:latin typeface="Comic Sans MS" pitchFamily="66" charset="0"/>
+              </a:rPr>
+              <a:t>a </a:t>
+            </a:r>
+            <a:r>
+              <a:rPr lang="en-US" sz="4800" dirty="0" smtClean="0">
+                <a:solidFill>
+                  <a:srgbClr val="000000"/>
+                </a:solidFill>
+                <a:latin typeface="Comic Sans MS"/>
+                <a:cs typeface="Comic Sans MS"/>
+                <a:sym typeface="Euclid Math Two" pitchFamily="18" charset="2"/>
+              </a:rPr>
+              <a:t>height/</a:t>
+            </a:r>
+            <a:r>
+              <a:rPr lang="en-US" sz="4800" dirty="0" err="1" smtClean="0">
+                <a:solidFill>
+                  <a:srgbClr val="000000"/>
+                </a:solidFill>
+                <a:latin typeface="Comic Sans MS"/>
+                <a:cs typeface="Comic Sans MS"/>
+                <a:sym typeface="Euclid Math Two" pitchFamily="18" charset="2"/>
+              </a:rPr>
+              <a:t>bday</a:t>
+            </a:r>
+            <a:r>
+              <a:rPr lang="en-US" sz="5400" dirty="0">
+                <a:latin typeface="Comic Sans MS" pitchFamily="66" charset="0"/>
+                <a:sym typeface="Euclid Math Two" pitchFamily="18" charset="2"/>
+              </a:rPr>
+              <a:t> </a:t>
+            </a:r>
+            <a:r>
+              <a:rPr lang="en-US" sz="5400" dirty="0" err="1" smtClean="0">
+                <a:latin typeface="Comic Sans MS" pitchFamily="66" charset="0"/>
+              </a:rPr>
+              <a:t>antichain</a:t>
+            </a:r>
+            <a:endParaRPr lang="en-US" sz="5400" dirty="0">
+              <a:latin typeface="Comic Sans MS" pitchFamily="66" charset="0"/>
+            </a:endParaRPr>
+          </a:p>
+        </p:txBody>
+      </p:sp>
       <p:sp>
         <p:nvSpPr>
           <p:cNvPr id="760834" name="Rectangle 2"/>
@@ -4013,8 +4112,9 @@
           <a:noFill/>
           <a:ln w="76200">
             <a:solidFill>
-              <a:schemeClr val="tx1"/>
+              <a:srgbClr val="0000FF"/>
             </a:solidFill>
+            <a:prstDash val="dash"/>
             <a:round/>
             <a:headEnd/>
             <a:tailEnd type="arrow" w="lg" len="lg"/>
@@ -4026,111 +4126,6 @@
           <a:lstStyle/>
           <a:p>
             <a:endParaRPr lang="en-US"/>
-          </a:p>
-        </p:txBody>
-      </p:sp>
-      <p:sp>
-        <p:nvSpPr>
-          <p:cNvPr id="760843" name="Text Box 11"/>
-          <p:cNvSpPr txBox="1">
-            <a:spLocks noChangeArrowheads="1"/>
-          </p:cNvSpPr>
-          <p:nvPr/>
-        </p:nvSpPr>
-        <p:spPr bwMode="auto">
-          <a:xfrm>
-            <a:off x="591866" y="4791205"/>
-            <a:ext cx="7960270" cy="1754327"/>
-          </a:xfrm>
-          <a:prstGeom prst="rect">
-            <a:avLst/>
-          </a:prstGeom>
-          <a:noFill/>
-          <a:ln w="9525">
-            <a:noFill/>
-            <a:miter lim="800000"/>
-            <a:headEnd/>
-            <a:tailEnd type="none" w="lg" len="lg"/>
-          </a:ln>
-          <a:effectLst/>
-        </p:spPr>
-        <p:txBody>
-          <a:bodyPr wrap="none">
-            <a:spAutoFit/>
-          </a:bodyPr>
-          <a:lstStyle/>
-          <a:p>
-            <a:pPr algn="ctr">
-              <a:spcBef>
-                <a:spcPct val="0"/>
-              </a:spcBef>
-            </a:pPr>
-            <a:r>
-              <a:rPr lang="en-US" sz="5400" dirty="0" smtClean="0">
-                <a:solidFill>
-                  <a:srgbClr val="0033CC"/>
-                </a:solidFill>
-                <a:latin typeface="Comic Sans MS" pitchFamily="66" charset="0"/>
-              </a:rPr>
-              <a:t>older</a:t>
-            </a:r>
-          </a:p>
-          <a:p>
-            <a:pPr algn="ctr">
-              <a:spcBef>
-                <a:spcPct val="0"/>
-              </a:spcBef>
-            </a:pPr>
-            <a:r>
-              <a:rPr lang="en-US" sz="5400" dirty="0" smtClean="0">
-                <a:latin typeface="Comic Sans MS" pitchFamily="66" charset="0"/>
-              </a:rPr>
-              <a:t>(a </a:t>
-            </a:r>
-            <a:r>
-              <a:rPr lang="en-US" sz="4800" dirty="0" smtClean="0">
-                <a:solidFill>
-                  <a:srgbClr val="000000"/>
-                </a:solidFill>
-                <a:latin typeface="Comic Sans MS"/>
-                <a:cs typeface="Comic Sans MS"/>
-                <a:sym typeface="Euclid Math Two" pitchFamily="18" charset="2"/>
-              </a:rPr>
-              <a:t>height/</a:t>
-            </a:r>
-            <a:r>
-              <a:rPr lang="en-US" sz="4800" dirty="0" err="1" smtClean="0">
-                <a:solidFill>
-                  <a:srgbClr val="000000"/>
-                </a:solidFill>
-                <a:latin typeface="Comic Sans MS"/>
-                <a:cs typeface="Comic Sans MS"/>
-                <a:sym typeface="Euclid Math Two" pitchFamily="18" charset="2"/>
-              </a:rPr>
-              <a:t>bday</a:t>
-            </a:r>
-            <a:r>
-              <a:rPr lang="en-US" sz="5400" dirty="0" err="1" smtClean="0">
-                <a:latin typeface="Comic Sans MS" pitchFamily="66" charset="0"/>
-                <a:sym typeface="Euclid Math Two" pitchFamily="18" charset="2"/>
-              </a:rPr>
-              <a:t>-</a:t>
-            </a:r>
-            <a:r>
-              <a:rPr lang="en-US" sz="5400" dirty="0" err="1" smtClean="0">
-                <a:latin typeface="Comic Sans MS" pitchFamily="66" charset="0"/>
-              </a:rPr>
-              <a:t>antichain</a:t>
-            </a:r>
-            <a:r>
-              <a:rPr lang="en-US" sz="5400" dirty="0" smtClean="0">
-                <a:latin typeface="Comic Sans MS" pitchFamily="66" charset="0"/>
-              </a:rPr>
-              <a:t>)</a:t>
-            </a:r>
-            <a:endParaRPr lang="en-US" sz="5400" dirty="0">
-              <a:latin typeface="Comic Sans MS" pitchFamily="66" charset="0"/>
-            </a:endParaRPr>
           </a:p>
         </p:txBody>
       </p:sp>
@@ -4218,7 +4213,7 @@
                             </p:stCondLst>
                             <p:childTnLst>
                               <p:par>
-                                <p:cTn id="5" presetID="10" presetClass="entr" presetSubtype="0" fill="hold" nodeType="clickEffect">
+                                <p:cTn id="5" presetID="22" presetClass="entr" presetSubtype="8" fill="hold" grpId="0" nodeType="clickEffect">
                                   <p:stCondLst>
                                     <p:cond delay="0"/>
                                   </p:stCondLst>
@@ -4226,6 +4221,111 @@
                                     <p:set>
                                       <p:cBhvr>
                                         <p:cTn id="6" dur="1" fill="hold">
+                                          <p:stCondLst>
+                                            <p:cond delay="0"/>
+                                          </p:stCondLst>
+                                        </p:cTn>
+                                        <p:tgtEl>
+                                          <p:spTgt spid="760842"/>
+                                        </p:tgtEl>
+                                        <p:attrNameLst>
+                                          <p:attrName>style.visibility</p:attrName>
+                                        </p:attrNameLst>
+                                      </p:cBhvr>
+                                      <p:to>
+                                        <p:strVal val="visible"/>
+                                      </p:to>
+                                    </p:set>
+                                    <p:animEffect transition="in" filter="wipe(left)">
+                                      <p:cBhvr>
+                                        <p:cTn id="7" dur="1000"/>
+                                        <p:tgtEl>
+                                          <p:spTgt spid="760842"/>
+                                        </p:tgtEl>
+                                      </p:cBhvr>
+                                    </p:animEffect>
+                                  </p:childTnLst>
+                                </p:cTn>
+                              </p:par>
+                            </p:childTnLst>
+                          </p:cTn>
+                        </p:par>
+                        <p:par>
+                          <p:cTn id="8" fill="hold">
+                            <p:stCondLst>
+                              <p:cond delay="1000"/>
+                            </p:stCondLst>
+                            <p:childTnLst>
+                              <p:par>
+                                <p:cTn id="9" presetID="10" presetClass="entr" presetSubtype="0" fill="hold" nodeType="afterEffect">
+                                  <p:stCondLst>
+                                    <p:cond delay="0"/>
+                                  </p:stCondLst>
+                                  <p:childTnLst>
+                                    <p:set>
+                                      <p:cBhvr>
+                                        <p:cTn id="10" dur="1" fill="hold">
+                                          <p:stCondLst>
+                                            <p:cond delay="0"/>
+                                          </p:stCondLst>
+                                        </p:cTn>
+                                        <p:tgtEl>
+                                          <p:spTgt spid="760843">
+                                            <p:txEl>
+                                              <p:pRg st="0" end="0"/>
+                                            </p:txEl>
+                                          </p:spTgt>
+                                        </p:tgtEl>
+                                        <p:attrNameLst>
+                                          <p:attrName>style.visibility</p:attrName>
+                                        </p:attrNameLst>
+                                      </p:cBhvr>
+                                      <p:to>
+                                        <p:strVal val="visible"/>
+                                      </p:to>
+                                    </p:set>
+                                    <p:animEffect transition="in" filter="fade">
+                                      <p:cBhvr>
+                                        <p:cTn id="11" dur="500"/>
+                                        <p:tgtEl>
+                                          <p:spTgt spid="760843">
+                                            <p:txEl>
+                                              <p:pRg st="0" end="0"/>
+                                            </p:txEl>
+                                          </p:spTgt>
+                                        </p:tgtEl>
+                                      </p:cBhvr>
+                                    </p:animEffect>
+                                  </p:childTnLst>
+                                </p:cTn>
+                              </p:par>
+                            </p:childTnLst>
+                          </p:cTn>
+                        </p:par>
+                      </p:childTnLst>
+                    </p:cTn>
+                  </p:par>
+                  <p:par>
+                    <p:cTn id="12" fill="hold">
+                      <p:stCondLst>
+                        <p:cond delay="indefinite"/>
+                      </p:stCondLst>
+                      <p:childTnLst>
+                        <p:par>
+                          <p:cTn id="13" fill="hold">
+                            <p:stCondLst>
+                              <p:cond delay="0"/>
+                            </p:stCondLst>
+                            <p:childTnLst>
+                              <p:par>
+                                <p:cTn id="14" presetID="10" presetClass="entr" presetSubtype="0" fill="hold" nodeType="clickEffect">
+                                  <p:stCondLst>
+                                    <p:cond delay="0"/>
+                                  </p:stCondLst>
+                                  <p:childTnLst>
+                                    <p:set>
+                                      <p:cBhvr>
+                                        <p:cTn id="15" dur="1" fill="hold">
                                           <p:stCondLst>
                                             <p:cond delay="0"/>
                                           </p:stCondLst>
@@ -4247,7 +4347,7 @@
                                     </p:set>
                                     <p:animEffect transition="in" filter="fade">
                                       <p:cBhvr>
-                                        <p:cTn id="7" dur="500"/>
+                                        <p:cTn id="16" dur="500"/>
                                         <p:tgtEl>
                                           <p:spTgt spid="760843">
                                             <p:txEl>
@@ -4287,12 +4387,15 @@
         </p:cTn>
       </p:par>
     </p:tnLst>
+    <p:bldLst>
+      <p:bldP spid="760842" grpId="0" animBg="1"/>
+    </p:bldLst>
   </p:timing>
 </p:sld>
 </file>
 
 <file path=ppt/slides/slide12.xml><?xml version="1.0" encoding="utf-8"?>
-<p:sld xmlns:a="http://schemas.openxmlformats.org/drawingml/2006/main" xmlns:r="http://schemas.openxmlformats.org/officeDocument/2006/relationships" xmlns:p="http://schemas.openxmlformats.org/presentationml/2006/main" show="0">
+<p:sld xmlns:a="http://schemas.openxmlformats.org/drawingml/2006/main" xmlns:r="http://schemas.openxmlformats.org/officeDocument/2006/relationships" xmlns:p="http://schemas.openxmlformats.org/presentationml/2006/main">
   <p:cSld>
     <p:spTree>
       <p:nvGrpSpPr>
@@ -4320,8 +4423,8 @@
         </p:nvSpPr>
         <p:spPr>
           <a:xfrm>
-            <a:off x="1767248" y="1270172"/>
-            <a:ext cx="5542964" cy="4830268"/>
+            <a:off x="1397247" y="1150084"/>
+            <a:ext cx="5682947" cy="5340387"/>
           </a:xfrm>
         </p:spPr>
         <p:txBody>
@@ -4331,286 +4434,247 @@
           <a:lstStyle/>
           <a:p>
             <a:r>
-              <a:rPr lang="tr-TR" sz="2000" dirty="0"/>
-              <a:t>Hu </a:t>
-            </a:r>
-            <a:r>
-              <a:rPr lang="tr-TR" sz="2000" dirty="0" err="1"/>
-              <a:t>Rui</a:t>
-            </a:r>
-            <a:r>
-              <a:rPr lang="tr-TR" sz="2000" dirty="0"/>
-              <a:t> Jul 13, 1990 6 8</a:t>
-            </a:r>
-          </a:p>
-          <a:p>
-            <a:r>
-              <a:rPr lang="tr-TR" sz="2000" dirty="0" err="1"/>
-              <a:t>Farid</a:t>
-            </a:r>
-            <a:r>
-              <a:rPr lang="tr-TR" sz="2000" dirty="0"/>
-              <a:t> Michael </a:t>
-            </a:r>
-            <a:r>
-              <a:rPr lang="tr-TR" sz="2000" dirty="0" err="1"/>
-              <a:t>Nov</a:t>
-            </a:r>
-            <a:r>
-              <a:rPr lang="tr-TR" sz="2000" dirty="0"/>
-              <a:t> 16, 1991 6 1</a:t>
-            </a:r>
-          </a:p>
-          <a:p>
-            <a:r>
-              <a:rPr lang="tr-TR" sz="2000" dirty="0"/>
-              <a:t>Smith Robert </a:t>
-            </a:r>
-            <a:r>
-              <a:rPr lang="tr-TR" sz="2000" dirty="0" err="1"/>
-              <a:t>Apr</a:t>
-            </a:r>
-            <a:r>
-              <a:rPr lang="tr-TR" sz="2000" dirty="0"/>
-              <a:t> 18, 1992 6 0</a:t>
-            </a:r>
-          </a:p>
-          <a:p>
-            <a:r>
-              <a:rPr lang="tr-TR" sz="2000" dirty="0" err="1"/>
-              <a:t>Wedge</a:t>
-            </a:r>
-            <a:r>
-              <a:rPr lang="tr-TR" sz="2000" dirty="0"/>
+              <a:rPr lang="en-US" sz="2400" dirty="0" smtClean="0"/>
+              <a:t>Banda </a:t>
+            </a:r>
+            <a:r>
+              <a:rPr lang="en-US" sz="2400" dirty="0" err="1"/>
+              <a:t>Daltso</a:t>
+            </a:r>
+            <a:r>
+              <a:rPr lang="en-US" sz="2400" dirty="0"/>
+              <a:t>: </a:t>
+            </a:r>
+            <a:r>
+              <a:rPr lang="en-US" sz="2400" dirty="0" smtClean="0"/>
+              <a:t>            9</a:t>
+            </a:r>
+            <a:r>
+              <a:rPr lang="en-US" sz="2400" dirty="0"/>
+              <a:t>/11/91, 5'</a:t>
+            </a:r>
+          </a:p>
+          <a:p>
+            <a:r>
+              <a:rPr lang="en-US" sz="2400" dirty="0" err="1"/>
+              <a:t>Biswas</a:t>
+            </a:r>
+            <a:r>
+              <a:rPr lang="en-US" sz="2400" dirty="0"/>
               <a:t> </a:t>
             </a:r>
             <a:r>
-              <a:rPr lang="tr-TR" sz="2000" dirty="0" err="1"/>
-              <a:t>Roy</a:t>
-            </a:r>
-            <a:r>
-              <a:rPr lang="tr-TR" sz="2000" dirty="0"/>
+              <a:rPr lang="en-US" sz="2400" dirty="0" err="1"/>
+              <a:t>Jyotizhka</a:t>
+            </a:r>
+            <a:r>
+              <a:rPr lang="en-US" sz="2400" dirty="0" smtClean="0"/>
+              <a:t>:       </a:t>
+            </a:r>
+            <a:r>
+              <a:rPr lang="en-US" sz="2400" dirty="0"/>
+              <a:t>4/9/92, 5'1''</a:t>
+            </a:r>
+          </a:p>
+          <a:p>
+            <a:r>
+              <a:rPr lang="en-US" sz="2400" dirty="0" err="1"/>
+              <a:t>Felso</a:t>
+            </a:r>
+            <a:r>
+              <a:rPr lang="en-US" sz="2400" dirty="0"/>
+              <a:t> Valkyrie: </a:t>
+            </a:r>
+            <a:r>
+              <a:rPr lang="en-US" sz="2400" dirty="0" smtClean="0"/>
+              <a:t>         4</a:t>
+            </a:r>
+            <a:r>
+              <a:rPr lang="en-US" sz="2400" dirty="0"/>
+              <a:t>/20/92, 5'1''</a:t>
+            </a:r>
+          </a:p>
+          <a:p>
+            <a:r>
+              <a:rPr lang="en-US" sz="2400" dirty="0" err="1"/>
+              <a:t>Balewski</a:t>
+            </a:r>
+            <a:r>
+              <a:rPr lang="en-US" sz="2400" dirty="0"/>
               <a:t> </a:t>
             </a:r>
             <a:r>
-              <a:rPr lang="tr-TR" sz="2000" dirty="0" err="1"/>
-              <a:t>Jun</a:t>
-            </a:r>
-            <a:r>
-              <a:rPr lang="tr-TR" sz="2000" dirty="0"/>
-              <a:t> 11, 1992 5 11</a:t>
-            </a:r>
-          </a:p>
-          <a:p>
-            <a:r>
-              <a:rPr lang="tr-TR" sz="2000" dirty="0" err="1"/>
-              <a:t>Weaver</a:t>
-            </a:r>
-            <a:r>
-              <a:rPr lang="tr-TR" sz="2000" dirty="0"/>
+              <a:rPr lang="en-US" sz="2400" dirty="0" err="1"/>
+              <a:t>Zuzanna</a:t>
+            </a:r>
+            <a:r>
+              <a:rPr lang="en-US" sz="2400" dirty="0"/>
+              <a:t>: </a:t>
+            </a:r>
+            <a:r>
+              <a:rPr lang="en-US" sz="2400" dirty="0" smtClean="0"/>
+              <a:t>      8</a:t>
+            </a:r>
+            <a:r>
+              <a:rPr lang="en-US" sz="2400" dirty="0"/>
+              <a:t>/5/92, 5'2''</a:t>
+            </a:r>
+          </a:p>
+          <a:p>
+            <a:r>
+              <a:rPr lang="en-US" sz="2400" dirty="0"/>
+              <a:t>Chang Carolyn: </a:t>
+            </a:r>
+            <a:r>
+              <a:rPr lang="en-US" sz="2400" dirty="0" smtClean="0"/>
+              <a:t>            9</a:t>
+            </a:r>
+            <a:r>
+              <a:rPr lang="en-US" sz="2400" dirty="0"/>
+              <a:t>/5/92, 5'2''</a:t>
+            </a:r>
+          </a:p>
+          <a:p>
+            <a:r>
+              <a:rPr lang="en-US" sz="2400" dirty="0" err="1"/>
+              <a:t>Che</a:t>
+            </a:r>
+            <a:r>
+              <a:rPr lang="en-US" sz="2400" dirty="0"/>
+              <a:t> Denise</a:t>
+            </a:r>
+            <a:r>
+              <a:rPr lang="en-US" sz="2400" dirty="0" smtClean="0"/>
+              <a:t>:                </a:t>
+            </a:r>
+            <a:r>
+              <a:rPr lang="en-US" sz="2400" dirty="0"/>
+              <a:t>3/19/93, 5'3''</a:t>
+            </a:r>
+          </a:p>
+          <a:p>
+            <a:r>
+              <a:rPr lang="en-US" sz="2400" dirty="0" err="1"/>
+              <a:t>Bartel</a:t>
+            </a:r>
+            <a:r>
+              <a:rPr lang="en-US" sz="2400" dirty="0"/>
+              <a:t> Kathryn</a:t>
+            </a:r>
+            <a:r>
+              <a:rPr lang="en-US" sz="2400" dirty="0" smtClean="0"/>
+              <a:t>:          </a:t>
+            </a:r>
+            <a:r>
+              <a:rPr lang="en-US" sz="2400" dirty="0"/>
+              <a:t>5/24/93, 5'4''</a:t>
+            </a:r>
+          </a:p>
+          <a:p>
+            <a:r>
+              <a:rPr lang="en-US" sz="2400" dirty="0"/>
+              <a:t>Andersen Jessica</a:t>
+            </a:r>
+            <a:r>
+              <a:rPr lang="en-US" sz="2400" dirty="0" smtClean="0"/>
+              <a:t>:</a:t>
+            </a:r>
+            <a:r>
+              <a:rPr lang="en-US" sz="2400" dirty="0"/>
               <a:t> </a:t>
             </a:r>
             <a:r>
-              <a:rPr lang="tr-TR" sz="2000" dirty="0" err="1"/>
-              <a:t>Joanie</a:t>
-            </a:r>
-            <a:r>
-              <a:rPr lang="tr-TR" sz="2000" dirty="0"/>
-              <a:t> Jul 27, 1992 5 10</a:t>
-            </a:r>
-          </a:p>
-          <a:p>
-            <a:r>
-              <a:rPr lang="tr-TR" sz="2000" dirty="0" err="1"/>
-              <a:t>Rakover</a:t>
-            </a:r>
-            <a:r>
-              <a:rPr lang="tr-TR" sz="2000" dirty="0"/>
-              <a:t> Nicolas </a:t>
-            </a:r>
-            <a:r>
-              <a:rPr lang="tr-TR" sz="2000" dirty="0" err="1"/>
-              <a:t>Aug</a:t>
-            </a:r>
-            <a:r>
-              <a:rPr lang="tr-TR" sz="2000" dirty="0"/>
-              <a:t> 13, 1992 5 9</a:t>
-            </a:r>
-          </a:p>
-          <a:p>
-            <a:r>
-              <a:rPr lang="tr-TR" sz="2000" dirty="0" err="1"/>
-              <a:t>Kamahele-Sanfratello</a:t>
-            </a:r>
-            <a:r>
-              <a:rPr lang="tr-TR" sz="2000" dirty="0"/>
+              <a:rPr lang="en-US" sz="2400" dirty="0" smtClean="0"/>
+              <a:t>       8</a:t>
+            </a:r>
+            <a:r>
+              <a:rPr lang="en-US" sz="2400" dirty="0"/>
+              <a:t>/6/93, 5'5''</a:t>
+            </a:r>
+          </a:p>
+          <a:p>
+            <a:r>
+              <a:rPr lang="en-US" sz="2400" dirty="0"/>
+              <a:t>Abate Shalom: </a:t>
+            </a:r>
+            <a:r>
+              <a:rPr lang="en-US" sz="2400" dirty="0" smtClean="0"/>
+              <a:t>             9</a:t>
+            </a:r>
+            <a:r>
+              <a:rPr lang="en-US" sz="2400" dirty="0"/>
+              <a:t>/3/93, 5'9''</a:t>
+            </a:r>
+          </a:p>
+          <a:p>
+            <a:r>
+              <a:rPr lang="en-US" sz="2400" dirty="0" err="1"/>
+              <a:t>Batscha</a:t>
+            </a:r>
+            <a:r>
+              <a:rPr lang="en-US" sz="2400" dirty="0"/>
+              <a:t> Jonathan</a:t>
+            </a:r>
+            <a:r>
+              <a:rPr lang="en-US" sz="2400" dirty="0" smtClean="0"/>
+              <a:t>:       </a:t>
+            </a:r>
+            <a:r>
+              <a:rPr lang="en-US" sz="2400" dirty="0"/>
+              <a:t>11/8/93, 5'10''</a:t>
+            </a:r>
+          </a:p>
+          <a:p>
+            <a:r>
+              <a:rPr lang="en-US" sz="2400" dirty="0" err="1"/>
+              <a:t>Alowayed</a:t>
+            </a:r>
+            <a:r>
+              <a:rPr lang="en-US" sz="2400" dirty="0"/>
               <a:t> </a:t>
             </a:r>
             <a:r>
-              <a:rPr lang="tr-TR" sz="2000" dirty="0" err="1"/>
-              <a:t>Ciara</a:t>
-            </a:r>
-            <a:r>
-              <a:rPr lang="tr-TR" sz="2000" dirty="0"/>
+              <a:rPr lang="en-US" sz="2400" dirty="0" err="1"/>
+              <a:t>Yousef</a:t>
+            </a:r>
+            <a:r>
+              <a:rPr lang="en-US" sz="2400" dirty="0"/>
+              <a:t>: </a:t>
+            </a:r>
+            <a:r>
+              <a:rPr lang="en-US" sz="2400" dirty="0" smtClean="0"/>
+              <a:t>         4</a:t>
+            </a:r>
+            <a:r>
+              <a:rPr lang="en-US" sz="2400" dirty="0"/>
+              <a:t>/4/94, 6'</a:t>
+            </a:r>
+          </a:p>
+          <a:p>
+            <a:r>
+              <a:rPr lang="en-US" sz="2400" dirty="0" err="1"/>
+              <a:t>Belson</a:t>
+            </a:r>
+            <a:r>
+              <a:rPr lang="en-US" sz="2400" dirty="0"/>
               <a:t> </a:t>
             </a:r>
             <a:r>
-              <a:rPr lang="tr-TR" sz="2000" dirty="0" err="1"/>
-              <a:t>Nov</a:t>
-            </a:r>
-            <a:r>
-              <a:rPr lang="tr-TR" sz="2000" dirty="0"/>
-              <a:t> 9, 1992 5 8</a:t>
-            </a:r>
-          </a:p>
-          <a:p>
-            <a:r>
-              <a:rPr lang="tr-TR" sz="2000" dirty="0" err="1"/>
-              <a:t>Paniza</a:t>
-            </a:r>
-            <a:r>
-              <a:rPr lang="tr-TR" sz="2000" dirty="0"/>
-              <a:t> </a:t>
-            </a:r>
-            <a:r>
-              <a:rPr lang="tr-TR" sz="2000" dirty="0" err="1"/>
-              <a:t>Rodrigo</a:t>
-            </a:r>
-            <a:r>
-              <a:rPr lang="tr-TR" sz="2000" dirty="0"/>
-              <a:t> </a:t>
-            </a:r>
-            <a:r>
-              <a:rPr lang="tr-TR" sz="2000" dirty="0" err="1"/>
-              <a:t>Nov</a:t>
-            </a:r>
-            <a:r>
-              <a:rPr lang="tr-TR" sz="2000" dirty="0"/>
-              <a:t> 14, 1992 5 8</a:t>
-            </a:r>
-          </a:p>
-          <a:p>
-            <a:r>
-              <a:rPr lang="tr-TR" sz="2000" dirty="0" err="1"/>
-              <a:t>Sueiras</a:t>
-            </a:r>
-            <a:r>
-              <a:rPr lang="tr-TR" sz="2000" dirty="0"/>
-              <a:t> </a:t>
-            </a:r>
-            <a:r>
-              <a:rPr lang="tr-TR" sz="2000" dirty="0" err="1"/>
-              <a:t>Sebastian</a:t>
-            </a:r>
-            <a:r>
-              <a:rPr lang="tr-TR" sz="2000" dirty="0"/>
-              <a:t> May 14, 1993 5 7</a:t>
-            </a:r>
-          </a:p>
-          <a:p>
-            <a:r>
-              <a:rPr lang="tr-TR" sz="2000" dirty="0" err="1"/>
-              <a:t>Qui</a:t>
-            </a:r>
-            <a:r>
-              <a:rPr lang="tr-TR" sz="2000" dirty="0"/>
-              <a:t> </a:t>
-            </a:r>
-            <a:r>
-              <a:rPr lang="tr-TR" sz="2000" dirty="0" err="1"/>
-              <a:t>Nguyen</a:t>
-            </a:r>
-            <a:r>
-              <a:rPr lang="tr-TR" sz="2000" dirty="0"/>
-              <a:t> </a:t>
-            </a:r>
-            <a:r>
-              <a:rPr lang="tr-TR" sz="2000" dirty="0" err="1"/>
-              <a:t>Jun</a:t>
-            </a:r>
-            <a:r>
-              <a:rPr lang="tr-TR" sz="2000" dirty="0"/>
-              <a:t> 1, 1993 5 6</a:t>
-            </a:r>
-          </a:p>
-          <a:p>
-            <a:r>
-              <a:rPr lang="tr-TR" sz="2000" dirty="0"/>
-              <a:t>Park </a:t>
-            </a:r>
-            <a:r>
-              <a:rPr lang="tr-TR" sz="2000" dirty="0" err="1"/>
-              <a:t>Allen</a:t>
-            </a:r>
-            <a:r>
-              <a:rPr lang="tr-TR" sz="2000" dirty="0"/>
-              <a:t> </a:t>
-            </a:r>
-            <a:r>
-              <a:rPr lang="tr-TR" sz="2000" dirty="0" err="1"/>
-              <a:t>Sep</a:t>
-            </a:r>
-            <a:r>
-              <a:rPr lang="tr-TR" sz="2000" dirty="0"/>
-              <a:t> 9, 1993 5 5</a:t>
-            </a:r>
-          </a:p>
-          <a:p>
-            <a:r>
-              <a:rPr lang="tr-TR" sz="2000" dirty="0" err="1"/>
-              <a:t>Huang</a:t>
-            </a:r>
-            <a:r>
-              <a:rPr lang="tr-TR" sz="2000" dirty="0"/>
-              <a:t> </a:t>
-            </a:r>
-            <a:r>
-              <a:rPr lang="tr-TR" sz="2000" dirty="0" err="1"/>
-              <a:t>Connie</a:t>
-            </a:r>
-            <a:r>
-              <a:rPr lang="tr-TR" sz="2000" dirty="0"/>
-              <a:t> </a:t>
-            </a:r>
-            <a:r>
-              <a:rPr lang="tr-TR" sz="2000" dirty="0" err="1"/>
-              <a:t>Sep</a:t>
-            </a:r>
-            <a:r>
-              <a:rPr lang="tr-TR" sz="2000" dirty="0"/>
-              <a:t> 30, 1993 5 4</a:t>
-            </a:r>
-          </a:p>
-          <a:p>
-            <a:r>
-              <a:rPr lang="tr-TR" sz="2000" dirty="0" err="1"/>
-              <a:t>Thilagar</a:t>
-            </a:r>
-            <a:r>
-              <a:rPr lang="tr-TR" sz="2000" dirty="0"/>
-              <a:t> </a:t>
-            </a:r>
-            <a:r>
-              <a:rPr lang="tr-TR" sz="2000" dirty="0" err="1"/>
-              <a:t>Lasya</a:t>
-            </a:r>
-            <a:r>
-              <a:rPr lang="tr-TR" sz="2000" dirty="0"/>
-              <a:t> </a:t>
-            </a:r>
-            <a:r>
-              <a:rPr lang="tr-TR" sz="2000" dirty="0" err="1"/>
-              <a:t>Nov</a:t>
-            </a:r>
-            <a:r>
-              <a:rPr lang="tr-TR" sz="2000" dirty="0"/>
-              <a:t> 16, 1993 5 </a:t>
-            </a:r>
-            <a:r>
-              <a:rPr lang="tr-TR" sz="2000" dirty="0" smtClean="0"/>
-              <a:t>0</a:t>
-            </a:r>
-            <a:endParaRPr lang="tr-TR" sz="2000" dirty="0"/>
+              <a:rPr lang="en-US" sz="2400" dirty="0" err="1"/>
+              <a:t>Itamar</a:t>
+            </a:r>
+            <a:r>
+              <a:rPr lang="en-US" sz="2400" dirty="0"/>
+              <a:t>: </a:t>
+            </a:r>
+            <a:r>
+              <a:rPr lang="en-US" sz="2400" dirty="0" smtClean="0"/>
+              <a:t>           8</a:t>
+            </a:r>
+            <a:r>
+              <a:rPr lang="en-US" sz="2400" dirty="0"/>
+              <a:t>/30/94,6'1''</a:t>
+            </a:r>
           </a:p>
         </p:txBody>
       </p:sp>
@@ -4622,15 +4686,15 @@
         </p:nvSpPr>
         <p:spPr>
           <a:xfrm>
-            <a:off x="2516007" y="145619"/>
-            <a:ext cx="4572000" cy="954107"/>
+            <a:off x="2145997" y="195623"/>
+            <a:ext cx="5624216" cy="707886"/>
           </a:xfrm>
           <a:prstGeom prst="rect">
             <a:avLst/>
           </a:prstGeom>
         </p:spPr>
         <p:txBody>
-          <a:bodyPr>
+          <a:bodyPr wrap="square">
             <a:spAutoFit/>
           </a:bodyPr>
           <a:lstStyle/>
@@ -4641,29 +4705,7 @@
               </a:spcBef>
             </a:pPr>
             <a:r>
-              <a:rPr lang="en-US" sz="2800" dirty="0">
-                <a:solidFill>
-                  <a:srgbClr val="0033CC"/>
-                </a:solidFill>
-                <a:latin typeface="Comic Sans MS" pitchFamily="66" charset="0"/>
-              </a:rPr>
-              <a:t>older</a:t>
-            </a:r>
-          </a:p>
-          <a:p>
-            <a:pPr algn="ctr">
-              <a:spcBef>
-                <a:spcPct val="0"/>
-              </a:spcBef>
-            </a:pPr>
-            <a:r>
-              <a:rPr lang="en-US" sz="2800" dirty="0">
-                <a:latin typeface="Comic Sans MS" pitchFamily="66" charset="0"/>
-              </a:rPr>
-              <a:t>(a </a:t>
-            </a:r>
-            <a:r>
-              <a:rPr lang="en-US" sz="2800" dirty="0">
+              <a:rPr lang="en-US" sz="4000" dirty="0" smtClean="0">
                 <a:solidFill>
                   <a:srgbClr val="000000"/>
                 </a:solidFill>
@@ -4671,10 +4713,10 @@
                 <a:cs typeface="Comic Sans MS"/>
                 <a:sym typeface="Euclid Math Two" pitchFamily="18" charset="2"/>
               </a:rPr>
-              <a:t>height/</a:t>
-            </a:r>
-            <a:r>
-              <a:rPr lang="en-US" sz="2800" dirty="0" err="1">
+              <a:t>height</a:t>
+            </a:r>
+            <a:r>
+              <a:rPr lang="en-US" sz="4000" dirty="0">
                 <a:solidFill>
                   <a:srgbClr val="000000"/>
                 </a:solidFill>
@@ -4682,27 +4724,35 @@
                 <a:cs typeface="Comic Sans MS"/>
                 <a:sym typeface="Euclid Math Two" pitchFamily="18" charset="2"/>
               </a:rPr>
+              <a:t>/</a:t>
+            </a:r>
+            <a:r>
+              <a:rPr lang="en-US" sz="4000" dirty="0" err="1" smtClean="0">
+                <a:solidFill>
+                  <a:srgbClr val="000000"/>
+                </a:solidFill>
+                <a:latin typeface="Comic Sans MS"/>
+                <a:cs typeface="Comic Sans MS"/>
+                <a:sym typeface="Euclid Math Two" pitchFamily="18" charset="2"/>
+              </a:rPr>
               <a:t>bday</a:t>
             </a:r>
             <a:r>
-              <a:rPr lang="en-US" sz="2800" dirty="0" err="1">
+              <a:rPr lang="en-US" sz="4000" dirty="0">
                 <a:latin typeface="Comic Sans MS" pitchFamily="66" charset="0"/>
                 <a:sym typeface="Euclid Math Two" pitchFamily="18" charset="2"/>
               </a:rPr>
-              <a:t>-</a:t>
-            </a:r>
-            <a:r>
-              <a:rPr lang="en-US" sz="2800" dirty="0" err="1">
+              <a:t> </a:t>
+            </a:r>
+            <a:r>
+              <a:rPr lang="en-US" sz="4000" dirty="0" err="1" smtClean="0">
                 <a:latin typeface="Comic Sans MS" pitchFamily="66" charset="0"/>
               </a:rPr>
               <a:t>antichain</a:t>
             </a:r>
-            <a:r>
-              <a:rPr lang="en-US" sz="2800" dirty="0">
-                <a:latin typeface="Comic Sans MS" pitchFamily="66" charset="0"/>
-              </a:rPr>
-              <a:t>)</a:t>
-            </a:r>
+            <a:endParaRPr lang="en-US" sz="4000" dirty="0">
+              <a:latin typeface="Comic Sans MS" pitchFamily="66" charset="0"/>
+            </a:endParaRPr>
           </a:p>
         </p:txBody>
       </p:sp>
@@ -4715,9 +4765,9 @@
           <p:nvPr/>
         </p:nvSpPr>
         <p:spPr bwMode="auto">
-          <a:xfrm flipV="1">
-            <a:off x="2467828" y="590043"/>
-            <a:ext cx="4442361" cy="20251"/>
+          <a:xfrm>
+            <a:off x="7877976" y="1909014"/>
+            <a:ext cx="82242" cy="3039972"/>
           </a:xfrm>
           <a:prstGeom prst="line">
             <a:avLst/>
@@ -4725,11 +4775,12 @@
           <a:noFill/>
           <a:ln w="38100">
             <a:solidFill>
-              <a:schemeClr val="tx1"/>
+              <a:srgbClr val="0000FF"/>
             </a:solidFill>
+            <a:prstDash val="dash"/>
             <a:round/>
-            <a:headEnd/>
-            <a:tailEnd type="arrow" w="lg" len="lg"/>
+            <a:headEnd type="stealth" w="lg" len="lg"/>
+            <a:tailEnd type="none" w="lg" len="lg"/>
           </a:ln>
           <a:effectLst/>
         </p:spPr>
@@ -4787,6 +4838,66 @@
           </a:p>
         </p:txBody>
       </p:sp>
+      <p:sp>
+        <p:nvSpPr>
+          <p:cNvPr id="2" name="Rectangle 1"/>
+          <p:cNvSpPr/>
+          <p:nvPr/>
+        </p:nvSpPr>
+        <p:spPr>
+          <a:xfrm>
+            <a:off x="6944760" y="5134478"/>
+            <a:ext cx="2199240" cy="1446550"/>
+          </a:xfrm>
+          <a:prstGeom prst="rect">
+            <a:avLst/>
+          </a:prstGeom>
+        </p:spPr>
+        <p:txBody>
+          <a:bodyPr wrap="none">
+            <a:spAutoFit/>
+          </a:bodyPr>
+          <a:lstStyle/>
+          <a:p>
+            <a:pPr algn="ctr">
+              <a:spcBef>
+                <a:spcPct val="0"/>
+              </a:spcBef>
+            </a:pPr>
+            <a:r>
+              <a:rPr lang="en-US" sz="4400" dirty="0" smtClean="0">
+                <a:solidFill>
+                  <a:srgbClr val="0033CC"/>
+                </a:solidFill>
+                <a:latin typeface="Comic Sans MS" pitchFamily="66" charset="0"/>
+              </a:rPr>
+              <a:t>older</a:t>
+            </a:r>
+          </a:p>
+          <a:p>
+            <a:pPr algn="ctr">
+              <a:spcBef>
+                <a:spcPct val="0"/>
+              </a:spcBef>
+            </a:pPr>
+            <a:r>
+              <a:rPr lang="en-US" sz="4400" dirty="0" smtClean="0">
+                <a:solidFill>
+                  <a:srgbClr val="0033CC"/>
+                </a:solidFill>
+                <a:latin typeface="Comic Sans MS" pitchFamily="66" charset="0"/>
+              </a:rPr>
+              <a:t>shorter</a:t>
+            </a:r>
+            <a:endParaRPr lang="en-US" sz="4400" dirty="0">
+              <a:solidFill>
+                <a:srgbClr val="0033CC"/>
+              </a:solidFill>
+              <a:latin typeface="Comic Sans MS" pitchFamily="66" charset="0"/>
+            </a:endParaRPr>
+          </a:p>
+        </p:txBody>
+      </p:sp>
     </p:spTree>
     <p:extLst>
       <p:ext uri="{BB962C8B-B14F-4D97-AF65-F5344CB8AC3E}">
@@ -4799,12 +4910,12 @@
   </p:clrMapOvr>
   <mc:AlternateContent xmlns:mc="http://schemas.openxmlformats.org/markup-compatibility/2006">
     <mc:Choice xmlns:p14="http://schemas.microsoft.com/office/powerpoint/2010/main" Requires="p14">
-      <p:transition spd="slow" p14:dur="900" advClick="0">
+      <p:transition spd="med" p14:dur="700" advClick="0">
         <p:fade/>
       </p:transition>
     </mc:Choice>
     <mc:Fallback>
-      <p:transition xmlns:p14="http://schemas.microsoft.com/office/powerpoint/2010/main" spd="slow" advClick="0">
+      <p:transition xmlns:p14="http://schemas.microsoft.com/office/powerpoint/2010/main" spd="med" advClick="0">
         <p:fade/>
       </p:transition>
     </mc:Fallback>
@@ -4812,9 +4923,133 @@
   <p:timing>
     <p:tnLst>
       <p:par>
-        <p:cTn xmlns:p14="http://schemas.microsoft.com/office/powerpoint/2010/main" id="1" dur="indefinite" restart="never" nodeType="tmRoot"/>
+        <p:cTn xmlns:p14="http://schemas.microsoft.com/office/powerpoint/2010/main" id="1" dur="indefinite" restart="never" nodeType="tmRoot">
+          <p:childTnLst>
+            <p:seq concurrent="1" nextAc="seek">
+              <p:cTn id="2" dur="indefinite" nodeType="mainSeq">
+                <p:childTnLst>
+                  <p:par>
+                    <p:cTn id="3" fill="hold">
+                      <p:stCondLst>
+                        <p:cond delay="indefinite"/>
+                      </p:stCondLst>
+                      <p:childTnLst>
+                        <p:par>
+                          <p:cTn id="4" fill="hold">
+                            <p:stCondLst>
+                              <p:cond delay="0"/>
+                            </p:stCondLst>
+                            <p:childTnLst>
+                              <p:par>
+                                <p:cTn id="5" presetID="10" presetClass="entr" presetSubtype="0" fill="hold" grpId="0" nodeType="clickEffect">
+                                  <p:stCondLst>
+                                    <p:cond delay="0"/>
+                                  </p:stCondLst>
+                                  <p:childTnLst>
+                                    <p:set>
+                                      <p:cBhvr>
+                                        <p:cTn id="6" dur="1" fill="hold">
+                                          <p:stCondLst>
+                                            <p:cond delay="0"/>
+                                          </p:stCondLst>
+                                        </p:cTn>
+                                        <p:tgtEl>
+                                          <p:spTgt spid="2"/>
+                                        </p:tgtEl>
+                                        <p:attrNameLst>
+                                          <p:attrName>style.visibility</p:attrName>
+                                        </p:attrNameLst>
+                                      </p:cBhvr>
+                                      <p:to>
+                                        <p:strVal val="visible"/>
+                                      </p:to>
+                                    </p:set>
+                                    <p:animEffect transition="in" filter="fade">
+                                      <p:cBhvr>
+                                        <p:cTn id="7" dur="500"/>
+                                        <p:tgtEl>
+                                          <p:spTgt spid="2"/>
+                                        </p:tgtEl>
+                                      </p:cBhvr>
+                                    </p:animEffect>
+                                  </p:childTnLst>
+                                </p:cTn>
+                              </p:par>
+                            </p:childTnLst>
+                          </p:cTn>
+                        </p:par>
+                        <p:par>
+                          <p:cTn id="8" fill="hold">
+                            <p:stCondLst>
+                              <p:cond delay="500"/>
+                            </p:stCondLst>
+                            <p:childTnLst>
+                              <p:par>
+                                <p:cTn id="9" presetID="22" presetClass="entr" presetSubtype="4" fill="hold" grpId="0" nodeType="afterEffect">
+                                  <p:stCondLst>
+                                    <p:cond delay="0"/>
+                                  </p:stCondLst>
+                                  <p:childTnLst>
+                                    <p:set>
+                                      <p:cBhvr>
+                                        <p:cTn id="10" dur="1" fill="hold">
+                                          <p:stCondLst>
+                                            <p:cond delay="0"/>
+                                          </p:stCondLst>
+                                        </p:cTn>
+                                        <p:tgtEl>
+                                          <p:spTgt spid="5"/>
+                                        </p:tgtEl>
+                                        <p:attrNameLst>
+                                          <p:attrName>style.visibility</p:attrName>
+                                        </p:attrNameLst>
+                                      </p:cBhvr>
+                                      <p:to>
+                                        <p:strVal val="visible"/>
+                                      </p:to>
+                                    </p:set>
+                                    <p:animEffect transition="in" filter="wipe(down)">
+                                      <p:cBhvr>
+                                        <p:cTn id="11" dur="500"/>
+                                        <p:tgtEl>
+                                          <p:spTgt spid="5"/>
+                                        </p:tgtEl>
+                                      </p:cBhvr>
+                                    </p:animEffect>
+                                  </p:childTnLst>
+                                </p:cTn>
+                              </p:par>
+                            </p:childTnLst>
+                          </p:cTn>
+                        </p:par>
+                      </p:childTnLst>
+                    </p:cTn>
+                  </p:par>
+                </p:childTnLst>
+              </p:cTn>
+              <p:prevCondLst>
+                <p:cond evt="onPrev" delay="0">
+                  <p:tgtEl>
+                    <p:sldTgt/>
+                  </p:tgtEl>
+                </p:cond>
+              </p:prevCondLst>
+              <p:nextCondLst>
+                <p:cond evt="onNext" delay="0">
+                  <p:tgtEl>
+                    <p:sldTgt/>
+                  </p:tgtEl>
+                </p:cond>
+              </p:nextCondLst>
+            </p:seq>
+          </p:childTnLst>
+        </p:cTn>
       </p:par>
     </p:tnLst>
+    <p:bldLst>
+      <p:bldP spid="5" grpId="0" animBg="1"/>
+      <p:bldP spid="2" grpId="0"/>
+    </p:bldLst>
   </p:timing>
 </p:sld>
 </file>
@@ -5410,7 +5645,7 @@
                             </p:stCondLst>
                             <p:childTnLst>
                               <p:par>
-                                <p:cTn id="5" presetID="1" presetClass="entr" presetSubtype="0" fill="hold" grpId="0" nodeType="clickEffect">
+                                <p:cTn id="5" presetID="22" presetClass="entr" presetSubtype="8" fill="hold" grpId="0" nodeType="clickEffect">
                                   <p:stCondLst>
                                     <p:cond delay="0"/>
                                   </p:stCondLst>
@@ -5433,6 +5668,14 @@
                                         <p:strVal val="visible"/>
                                       </p:to>
                                     </p:set>
+                                    <p:animEffect transition="in" filter="wipe(left)">
+                                      <p:cBhvr>
+                                        <p:cTn id="7" dur="1000"/>
+                                        <p:tgtEl>
+                                          <p:spTgt spid="19"/>
+                                        </p:tgtEl>
+                                      </p:cBhvr>
+                                    </p:animEffect>
                                   </p:childTnLst>
                                 </p:cTn>
                               </p:par>
@@ -5440,20 +5683,20 @@
                           </p:cTn>
                         </p:par>
                         <p:par>
-                          <p:cTn id="7" fill="hold">
+                          <p:cTn id="8" fill="hold">
                             <p:stCondLst>
-                              <p:cond delay="0"/>
+                              <p:cond delay="1000"/>
                             </p:stCondLst>
                             <p:childTnLst>
                               <p:par>
-                                <p:cTn id="8" presetID="9" presetClass="entr" presetSubtype="0" fill="hold" grpId="0" nodeType="afterEffect">
+                                <p:cTn id="9" presetID="9" presetClass="entr" presetSubtype="0" fill="hold" grpId="0" nodeType="afterEffect">
                                   <p:stCondLst>
                                     <p:cond delay="0"/>
                                   </p:stCondLst>
                                   <p:childTnLst>
                                     <p:set>
                                       <p:cBhvr>
-                                        <p:cTn id="9" dur="1" fill="hold">
+                                        <p:cTn id="10" dur="1" fill="hold">
                                           <p:stCondLst>
                                             <p:cond delay="0"/>
                                           </p:stCondLst>
@@ -5471,7 +5714,7 @@
                                     </p:set>
                                     <p:animEffect transition="in" filter="dissolve">
                                       <p:cBhvr>
-                                        <p:cTn id="10" dur="500"/>
+                                        <p:cTn id="11" dur="500"/>
                                         <p:tgtEl>
                                           <p:spTgt spid="16"/>
                                         </p:tgtEl>
@@ -5487,26 +5730,26 @@
                     </p:cTn>
                   </p:par>
                   <p:par>
-                    <p:cTn id="11" fill="hold">
+                    <p:cTn id="12" fill="hold">
                       <p:stCondLst>
                         <p:cond delay="indefinite"/>
                       </p:stCondLst>
                       <p:childTnLst>
                         <p:par>
-                          <p:cTn id="12" fill="hold">
+                          <p:cTn id="13" fill="hold">
                             <p:stCondLst>
                               <p:cond delay="0"/>
                             </p:stCondLst>
                             <p:childTnLst>
                               <p:par>
-                                <p:cTn id="13" presetID="9" presetClass="entr" presetSubtype="0" fill="hold" grpId="0" nodeType="clickEffect">
+                                <p:cTn id="14" presetID="10" presetClass="entr" presetSubtype="0" fill="hold" grpId="0" nodeType="clickEffect">
                                   <p:stCondLst>
                                     <p:cond delay="0"/>
                                   </p:stCondLst>
                                   <p:childTnLst>
                                     <p:set>
                                       <p:cBhvr>
-                                        <p:cTn id="14" dur="1" fill="hold">
+                                        <p:cTn id="15" dur="1" fill="hold">
                                           <p:stCondLst>
                                             <p:cond delay="0"/>
                                           </p:stCondLst>
@@ -5526,9 +5769,9 @@
                                         <p:strVal val="visible"/>
                                       </p:to>
                                     </p:set>
-                                    <p:animEffect transition="in" filter="dissolve">
+                                    <p:animEffect transition="in" filter="fade">
                                       <p:cBhvr>
-                                        <p:cTn id="15" dur="500"/>
+                                        <p:cTn id="16" dur="500"/>
                                         <p:tgtEl>
                                           <p:spTgt spid="759811">
                                             <p:txEl>
@@ -5548,26 +5791,26 @@
                     </p:cTn>
                   </p:par>
                   <p:par>
-                    <p:cTn id="16" fill="hold">
+                    <p:cTn id="17" fill="hold">
                       <p:stCondLst>
                         <p:cond delay="indefinite"/>
                       </p:stCondLst>
                       <p:childTnLst>
                         <p:par>
-                          <p:cTn id="17" fill="hold">
+                          <p:cTn id="18" fill="hold">
                             <p:stCondLst>
                               <p:cond delay="0"/>
                             </p:stCondLst>
                             <p:childTnLst>
                               <p:par>
-                                <p:cTn id="18" presetID="9" presetClass="entr" presetSubtype="0" fill="hold" grpId="0" nodeType="clickEffect">
+                                <p:cTn id="19" presetID="10" presetClass="entr" presetSubtype="0" fill="hold" grpId="0" nodeType="clickEffect">
                                   <p:stCondLst>
                                     <p:cond delay="0"/>
                                   </p:stCondLst>
                                   <p:childTnLst>
                                     <p:set>
                                       <p:cBhvr>
-                                        <p:cTn id="19" dur="1" fill="hold">
+                                        <p:cTn id="20" dur="1" fill="hold">
                                           <p:stCondLst>
                                             <p:cond delay="0"/>
                                           </p:stCondLst>
@@ -5587,9 +5830,9 @@
                                         <p:strVal val="visible"/>
                                       </p:to>
                                     </p:set>
-                                    <p:animEffect transition="in" filter="dissolve">
+                                    <p:animEffect transition="in" filter="fade">
                                       <p:cBhvr>
-                                        <p:cTn id="20" dur="500"/>
+                                        <p:cTn id="21" dur="500"/>
                                         <p:tgtEl>
                                           <p:spTgt spid="759811">
                                             <p:txEl>
@@ -5609,26 +5852,26 @@
                     </p:cTn>
                   </p:par>
                   <p:par>
-                    <p:cTn id="21" fill="hold">
+                    <p:cTn id="22" fill="hold">
                       <p:stCondLst>
                         <p:cond delay="indefinite"/>
                       </p:stCondLst>
                       <p:childTnLst>
                         <p:par>
-                          <p:cTn id="22" fill="hold">
+                          <p:cTn id="23" fill="hold">
                             <p:stCondLst>
                               <p:cond delay="0"/>
                             </p:stCondLst>
                             <p:childTnLst>
                               <p:par>
-                                <p:cTn id="23" presetID="9" presetClass="entr" presetSubtype="0" fill="hold" grpId="0" nodeType="clickEffect">
+                                <p:cTn id="24" presetID="10" presetClass="entr" presetSubtype="0" fill="hold" grpId="0" nodeType="clickEffect">
                                   <p:stCondLst>
                                     <p:cond delay="0"/>
                                   </p:stCondLst>
                                   <p:childTnLst>
                                     <p:set>
                                       <p:cBhvr>
-                                        <p:cTn id="24" dur="1" fill="hold">
+                                        <p:cTn id="25" dur="1" fill="hold">
                                           <p:stCondLst>
                                             <p:cond delay="0"/>
                                           </p:stCondLst>
@@ -5648,9 +5891,9 @@
                                         <p:strVal val="visible"/>
                                       </p:to>
                                     </p:set>
-                                    <p:animEffect transition="in" filter="dissolve">
+                                    <p:animEffect transition="in" filter="fade">
                                       <p:cBhvr>
-                                        <p:cTn id="25" dur="500"/>
+                                        <p:cTn id="26" dur="500"/>
                                         <p:tgtEl>
                                           <p:spTgt spid="759811">
                                             <p:txEl>
@@ -5667,20 +5910,20 @@
                           </p:cTn>
                         </p:par>
                         <p:par>
-                          <p:cTn id="26" fill="hold">
+                          <p:cTn id="27" fill="hold">
                             <p:stCondLst>
                               <p:cond delay="500"/>
                             </p:stCondLst>
                             <p:childTnLst>
                               <p:par>
-                                <p:cTn id="27" presetID="9" presetClass="entr" presetSubtype="0" fill="hold" grpId="0" nodeType="afterEffect">
+                                <p:cTn id="28" presetID="10" presetClass="entr" presetSubtype="0" fill="hold" grpId="0" nodeType="afterEffect">
                                   <p:stCondLst>
                                     <p:cond delay="0"/>
                                   </p:stCondLst>
                                   <p:childTnLst>
                                     <p:set>
                                       <p:cBhvr>
-                                        <p:cTn id="28" dur="1" fill="hold">
+                                        <p:cTn id="29" dur="1" fill="hold">
                                           <p:stCondLst>
                                             <p:cond delay="0"/>
                                           </p:stCondLst>
@@ -5696,9 +5939,9 @@
                                         <p:strVal val="visible"/>
                                       </p:to>
                                     </p:set>
-                                    <p:animEffect transition="in" filter="dissolve">
+                                    <p:animEffect transition="in" filter="fade">
                                       <p:cBhvr>
-                                        <p:cTn id="29" dur="1000"/>
+                                        <p:cTn id="30" dur="500"/>
                                         <p:tgtEl>
                                           <p:spTgt spid="17"/>
                                         </p:tgtEl>
@@ -5714,26 +5957,26 @@
                     </p:cTn>
                   </p:par>
                   <p:par>
-                    <p:cTn id="30" fill="hold">
+                    <p:cTn id="31" fill="hold">
                       <p:stCondLst>
                         <p:cond delay="indefinite"/>
                       </p:stCondLst>
                       <p:childTnLst>
                         <p:par>
-                          <p:cTn id="31" fill="hold">
+                          <p:cTn id="32" fill="hold">
                             <p:stCondLst>
                               <p:cond delay="0"/>
                             </p:stCondLst>
                             <p:childTnLst>
                               <p:par>
-                                <p:cTn id="32" presetID="2" presetClass="entr" presetSubtype="4" fill="hold" nodeType="clickEffect">
+                                <p:cTn id="33" presetID="2" presetClass="entr" presetSubtype="4" fill="hold" nodeType="clickEffect">
                                   <p:stCondLst>
                                     <p:cond delay="0"/>
                                   </p:stCondLst>
                                   <p:childTnLst>
                                     <p:set>
                                       <p:cBhvr>
-                                        <p:cTn id="33" dur="1" fill="hold">
+                                        <p:cTn id="34" dur="1" fill="hold">
                                           <p:stCondLst>
                                             <p:cond delay="0"/>
                                           </p:stCondLst>
@@ -5751,7 +5994,7 @@
                                     </p:set>
                                     <p:anim calcmode="lin" valueType="num">
                                       <p:cBhvr additive="base">
-                                        <p:cTn id="34" dur="500" fill="hold"/>
+                                        <p:cTn id="35" dur="500" fill="hold"/>
                                         <p:tgtEl>
                                           <p:spTgt spid="2"/>
                                         </p:tgtEl>
@@ -5774,7 +6017,7 @@
                                     </p:anim>
                                     <p:anim calcmode="lin" valueType="num">
                                       <p:cBhvr additive="base">
-                                        <p:cTn id="35" dur="500" fill="hold"/>
+                                        <p:cTn id="36" dur="500" fill="hold"/>
                                         <p:tgtEl>
                                           <p:spTgt spid="2"/>
                                         </p:tgtEl>
@@ -6355,9 +6598,6 @@
                     <p:cTn id="3" fill="hold">
                       <p:stCondLst>
                         <p:cond delay="indefinite"/>
-                        <p:cond evt="onBegin" delay="0">
-                          <p:tn val="2"/>
-                        </p:cond>
                       </p:stCondLst>
                       <p:childTnLst>
                         <p:par>
@@ -6367,9 +6607,9 @@
                             </p:stCondLst>
                             <p:childTnLst>
                               <p:par>
-                                <p:cTn id="5" presetID="10" presetClass="entr" presetSubtype="0" fill="hold" nodeType="afterEffect">
+                                <p:cTn id="5" presetID="10" presetClass="entr" presetSubtype="0" fill="hold" nodeType="clickEffect">
                                   <p:stCondLst>
-                                    <p:cond delay="500"/>
+                                    <p:cond delay="0"/>
                                   </p:stCondLst>
                                   <p:childTnLst>
                                     <p:set>
@@ -6409,24 +6649,15 @@
                                   </p:childTnLst>
                                 </p:cTn>
                               </p:par>
-                            </p:childTnLst>
-                          </p:cTn>
-                        </p:par>
-                        <p:par>
-                          <p:cTn id="8" fill="hold">
-                            <p:stCondLst>
-                              <p:cond delay="1000"/>
-                            </p:stCondLst>
-                            <p:childTnLst>
                               <p:par>
-                                <p:cTn id="9" presetID="10" presetClass="entr" presetSubtype="0" fill="hold" nodeType="afterEffect">
+                                <p:cTn id="8" presetID="10" presetClass="entr" presetSubtype="0" fill="hold" nodeType="withEffect">
                                   <p:stCondLst>
                                     <p:cond delay="0"/>
                                   </p:stCondLst>
                                   <p:childTnLst>
                                     <p:set>
                                       <p:cBhvr>
-                                        <p:cTn id="10" dur="1" fill="hold">
+                                        <p:cTn id="9" dur="1" fill="hold">
                                           <p:stCondLst>
                                             <p:cond delay="0"/>
                                           </p:stCondLst>
@@ -6448,7 +6679,7 @@
                                     </p:set>
                                     <p:animEffect transition="in" filter="fade">
                                       <p:cBhvr>
-                                        <p:cTn id="11" dur="1000"/>
+                                        <p:cTn id="10" dur="500"/>
                                         <p:tgtEl>
                                           <p:spTgt spid="761859">
                                             <p:txEl>
@@ -6607,7 +6838,14 @@
             </a:r>
             <a:r>
               <a:rPr lang="en-US" sz="4800" dirty="0"/>
-              <a:t> =</a:t>
+              <a:t> </a:t>
+            </a:r>
+            <a:r>
+              <a:rPr lang="en-US" sz="4800" b="1" dirty="0">
+                <a:latin typeface="Euclid Symbol" charset="2"/>
+                <a:cs typeface="Euclid Symbol" charset="2"/>
+              </a:rPr>
+              <a:t>=</a:t>
             </a:r>
             <a:r>
               <a:rPr lang="en-US" sz="4800" dirty="0" smtClean="0">
@@ -6697,7 +6935,7 @@
           <a:graphicData uri="http://schemas.openxmlformats.org/presentationml/2006/ole">
             <mc:AlternateContent xmlns:mc="http://schemas.openxmlformats.org/markup-compatibility/2006">
               <mc:Choice xmlns:v="urn:schemas-microsoft-com:vml" Requires="v">
-                <p:oleObj spid="_x0000_s80953" name="Equation" r:id="rId4" imgW="850900" imgH="330200" progId="Equation.DSMT4">
+                <p:oleObj spid="_x0000_s80958" name="Equation" r:id="rId4" imgW="850900" imgH="330200" progId="Equation.DSMT4">
                   <p:embed/>
                 </p:oleObj>
               </mc:Choice>
@@ -7177,7 +7415,7 @@
           <a:graphicData uri="http://schemas.openxmlformats.org/presentationml/2006/ole">
             <mc:AlternateContent xmlns:mc="http://schemas.openxmlformats.org/markup-compatibility/2006">
               <mc:Choice xmlns:v="urn:schemas-microsoft-com:vml" Requires="v">
-                <p:oleObj spid="_x0000_s55438" name="Equation" r:id="rId4" imgW="215900" imgH="1270000" progId="Equation.DSMT4">
+                <p:oleObj spid="_x0000_s55448" name="Equation" r:id="rId4" imgW="215900" imgH="1270000" progId="Equation.DSMT4">
                   <p:embed/>
                 </p:oleObj>
               </mc:Choice>
@@ -7512,7 +7750,7 @@
           <a:graphicData uri="http://schemas.openxmlformats.org/presentationml/2006/ole">
             <mc:AlternateContent xmlns:mc="http://schemas.openxmlformats.org/markup-compatibility/2006">
               <mc:Choice xmlns:v="urn:schemas-microsoft-com:vml" Requires="v">
-                <p:oleObj spid="_x0000_s55439" name="Equation" r:id="rId6" imgW="533400" imgH="596900" progId="Equation.DSMT4">
+                <p:oleObj spid="_x0000_s55449" name="Equation" r:id="rId6" imgW="533400" imgH="596900" progId="Equation.DSMT4">
                   <p:embed/>
                 </p:oleObj>
               </mc:Choice>
@@ -7576,7 +7814,7 @@
           <a:graphicData uri="http://schemas.openxmlformats.org/presentationml/2006/ole">
             <mc:AlternateContent xmlns:mc="http://schemas.openxmlformats.org/markup-compatibility/2006">
               <mc:Choice xmlns:v="urn:schemas-microsoft-com:vml" Requires="v">
-                <p:oleObj spid="_x0000_s55440" name="Equation" r:id="rId8" imgW="546100" imgH="177800" progId="Equation.DSMT4">
+                <p:oleObj spid="_x0000_s55450" name="Equation" r:id="rId8" imgW="546100" imgH="177800" progId="Equation.DSMT4">
                   <p:embed/>
                 </p:oleObj>
               </mc:Choice>
@@ -8678,7 +8916,7 @@
           <a:graphicData uri="http://schemas.openxmlformats.org/presentationml/2006/ole">
             <mc:AlternateContent xmlns:mc="http://schemas.openxmlformats.org/markup-compatibility/2006">
               <mc:Choice xmlns:v="urn:schemas-microsoft-com:vml" Requires="v">
-                <p:oleObj spid="_x0000_s107580" name="Equation" r:id="rId4" imgW="266400" imgH="939600" progId="Equation.DSMT4">
+                <p:oleObj spid="_x0000_s107584" name="Equation" r:id="rId4" imgW="266400" imgH="939600" progId="Equation.DSMT4">
                   <p:embed/>
                 </p:oleObj>
               </mc:Choice>
@@ -9322,7 +9560,7 @@
           <a:graphicData uri="http://schemas.openxmlformats.org/presentationml/2006/ole">
             <mc:AlternateContent xmlns:mc="http://schemas.openxmlformats.org/markup-compatibility/2006">
               <mc:Choice xmlns:v="urn:schemas-microsoft-com:vml" Requires="v">
-                <p:oleObj spid="_x0000_s112657" name="Equation" r:id="rId4" imgW="241300" imgH="279400" progId="Equation.DSMT4">
+                <p:oleObj spid="_x0000_s112664" name="Equation" r:id="rId4" imgW="241300" imgH="279400" progId="Equation.DSMT4">
                   <p:embed/>
                 </p:oleObj>
               </mc:Choice>
@@ -9379,7 +9617,7 @@
           <a:graphicData uri="http://schemas.openxmlformats.org/presentationml/2006/ole">
             <mc:AlternateContent xmlns:mc="http://schemas.openxmlformats.org/markup-compatibility/2006">
               <mc:Choice xmlns:v="urn:schemas-microsoft-com:vml" Requires="v">
-                <p:oleObj spid="_x0000_s112658" name="Equation" r:id="rId6" imgW="241300" imgH="279400" progId="Equation.DSMT4">
+                <p:oleObj spid="_x0000_s112665" name="Equation" r:id="rId6" imgW="241300" imgH="279400" progId="Equation.DSMT4">
                   <p:embed/>
                 </p:oleObj>
               </mc:Choice>

--- a/spring13/slides13/paralleltime.pptx
+++ b/spring13/slides13/paralleltime.pptx
@@ -207,7 +207,7 @@
             <a:fld id="{7E67CB53-8D3C-47BE-A7FA-F662C961B657}" type="datetimeFigureOut">
               <a:rPr lang="en-US" smtClean="0"/>
               <a:pPr/>
-              <a:t>3/14/13</a:t>
+              <a:t>3/18/13</a:t>
             </a:fld>
             <a:endParaRPr lang="en-US"/>
           </a:p>
@@ -374,7 +374,7 @@
             <a:fld id="{EFF6E4C5-D825-46D1-9B47-4B12017997CB}" type="datetimeFigureOut">
               <a:rPr lang="en-US" smtClean="0"/>
               <a:pPr/>
-              <a:t>3/14/13</a:t>
+              <a:t>3/18/13</a:t>
             </a:fld>
             <a:endParaRPr lang="en-US"/>
           </a:p>
@@ -3650,7 +3650,7 @@
           <a:graphicData uri="http://schemas.openxmlformats.org/presentationml/2006/ole">
             <mc:AlternateContent xmlns:mc="http://schemas.openxmlformats.org/markup-compatibility/2006">
               <mc:Choice xmlns:v="urn:schemas-microsoft-com:vml" Requires="v">
-                <p:oleObj spid="_x0000_s111659" name="Equation" r:id="rId3" imgW="787400" imgH="406400" progId="Equation.DSMT4">
+                <p:oleObj spid="_x0000_s111661" name="Equation" r:id="rId3" imgW="787400" imgH="406400" progId="Equation.DSMT4">
                   <p:embed/>
                 </p:oleObj>
               </mc:Choice>
@@ -4423,7 +4423,7 @@
         </p:nvSpPr>
         <p:spPr>
           <a:xfrm>
-            <a:off x="1397247" y="1150084"/>
+            <a:off x="1397247" y="908164"/>
             <a:ext cx="5682947" cy="5340387"/>
           </a:xfrm>
         </p:spPr>
@@ -4447,7 +4447,15 @@
             </a:r>
             <a:r>
               <a:rPr lang="en-US" sz="2400" dirty="0" smtClean="0"/>
-              <a:t>            9</a:t>
+              <a:t>          </a:t>
+            </a:r>
+            <a:r>
+              <a:rPr lang="en-US" sz="2400" dirty="0" smtClean="0"/>
+              <a:t>   </a:t>
+            </a:r>
+            <a:r>
+              <a:rPr lang="en-US" sz="2400" dirty="0" smtClean="0"/>
+              <a:t>9</a:t>
             </a:r>
             <a:r>
               <a:rPr lang="en-US" sz="2400" dirty="0"/>
@@ -4469,12 +4477,21 @@
             </a:r>
             <a:r>
               <a:rPr lang="en-US" sz="2400" dirty="0" smtClean="0"/>
-              <a:t>:       </a:t>
+              <a:t>:    </a:t>
+            </a:r>
+            <a:r>
+              <a:rPr lang="en-US" sz="2400" dirty="0" smtClean="0"/>
+              <a:t>    </a:t>
             </a:r>
             <a:r>
               <a:rPr lang="en-US" sz="2400" dirty="0"/>
-              <a:t>4/9/92, 5'1''</a:t>
-            </a:r>
+              <a:t>4/9/92, </a:t>
+            </a:r>
+            <a:r>
+              <a:rPr lang="en-US" sz="2400" dirty="0" smtClean="0"/>
+              <a:t>5'1"</a:t>
+            </a:r>
+            <a:endParaRPr lang="en-US" sz="2400" dirty="0"/>
           </a:p>
           <a:p>
             <a:r>
@@ -4487,12 +4504,25 @@
             </a:r>
             <a:r>
               <a:rPr lang="en-US" sz="2400" dirty="0" smtClean="0"/>
-              <a:t>         4</a:t>
+              <a:t>       </a:t>
+            </a:r>
+            <a:r>
+              <a:rPr lang="en-US" sz="2400" dirty="0" smtClean="0"/>
+              <a:t>   </a:t>
+            </a:r>
+            <a:r>
+              <a:rPr lang="en-US" sz="2400" dirty="0" smtClean="0"/>
+              <a:t>4</a:t>
             </a:r>
             <a:r>
               <a:rPr lang="en-US" sz="2400" dirty="0"/>
-              <a:t>/20/92, 5'1''</a:t>
-            </a:r>
+              <a:t>/20/92, </a:t>
+            </a:r>
+            <a:r>
+              <a:rPr lang="en-US" sz="2400" dirty="0" smtClean="0"/>
+              <a:t>5'1"</a:t>
+            </a:r>
+            <a:endParaRPr lang="en-US" sz="2400" dirty="0"/>
           </a:p>
           <a:p>
             <a:r>
@@ -4513,12 +4543,25 @@
             </a:r>
             <a:r>
               <a:rPr lang="en-US" sz="2400" dirty="0" smtClean="0"/>
-              <a:t>      8</a:t>
+              <a:t>   </a:t>
+            </a:r>
+            <a:r>
+              <a:rPr lang="en-US" sz="2400" dirty="0" smtClean="0"/>
+              <a:t>    </a:t>
+            </a:r>
+            <a:r>
+              <a:rPr lang="en-US" sz="2400" dirty="0" smtClean="0"/>
+              <a:t>8</a:t>
             </a:r>
             <a:r>
               <a:rPr lang="en-US" sz="2400" dirty="0"/>
-              <a:t>/5/92, 5'2''</a:t>
-            </a:r>
+              <a:t>/5/92, </a:t>
+            </a:r>
+            <a:r>
+              <a:rPr lang="en-US" sz="2400" dirty="0" smtClean="0"/>
+              <a:t>5'2"</a:t>
+            </a:r>
+            <a:endParaRPr lang="en-US" sz="2400" dirty="0"/>
           </a:p>
           <a:p>
             <a:r>
@@ -4531,8 +4574,13 @@
             </a:r>
             <a:r>
               <a:rPr lang="en-US" sz="2400" dirty="0"/>
-              <a:t>/5/92, 5'2''</a:t>
-            </a:r>
+              <a:t>/5/92, </a:t>
+            </a:r>
+            <a:r>
+              <a:rPr lang="en-US" sz="2400" dirty="0" smtClean="0"/>
+              <a:t>5'2"</a:t>
+            </a:r>
+            <a:endParaRPr lang="en-US" sz="2400" dirty="0"/>
           </a:p>
           <a:p>
             <a:r>
@@ -4549,8 +4597,13 @@
             </a:r>
             <a:r>
               <a:rPr lang="en-US" sz="2400" dirty="0"/>
-              <a:t>3/19/93, 5'3''</a:t>
-            </a:r>
+              <a:t>3/19/93, </a:t>
+            </a:r>
+            <a:r>
+              <a:rPr lang="en-US" sz="2400" dirty="0" smtClean="0"/>
+              <a:t>5'3"</a:t>
+            </a:r>
+            <a:endParaRPr lang="en-US" sz="2400" dirty="0"/>
           </a:p>
           <a:p>
             <a:r>
@@ -4567,8 +4620,13 @@
             </a:r>
             <a:r>
               <a:rPr lang="en-US" sz="2400" dirty="0"/>
-              <a:t>5/24/93, 5'4''</a:t>
-            </a:r>
+              <a:t>5/24/93, </a:t>
+            </a:r>
+            <a:r>
+              <a:rPr lang="en-US" sz="2400" dirty="0" smtClean="0"/>
+              <a:t>5'4"</a:t>
+            </a:r>
+            <a:endParaRPr lang="en-US" sz="2400" dirty="0"/>
           </a:p>
           <a:p>
             <a:r>
@@ -4589,8 +4647,13 @@
             </a:r>
             <a:r>
               <a:rPr lang="en-US" sz="2400" dirty="0"/>
-              <a:t>/6/93, 5'5''</a:t>
-            </a:r>
+              <a:t>/6/93, </a:t>
+            </a:r>
+            <a:r>
+              <a:rPr lang="en-US" sz="2400" dirty="0" smtClean="0"/>
+              <a:t>5'5"</a:t>
+            </a:r>
+            <a:endParaRPr lang="en-US" sz="2400" dirty="0"/>
           </a:p>
           <a:p>
             <a:r>
@@ -4603,8 +4666,13 @@
             </a:r>
             <a:r>
               <a:rPr lang="en-US" sz="2400" dirty="0"/>
-              <a:t>/3/93, 5'9''</a:t>
-            </a:r>
+              <a:t>/3/93, </a:t>
+            </a:r>
+            <a:r>
+              <a:rPr lang="en-US" sz="2400" dirty="0" smtClean="0"/>
+              <a:t>5'9"</a:t>
+            </a:r>
+            <a:endParaRPr lang="en-US" sz="2400" dirty="0"/>
           </a:p>
           <a:p>
             <a:r>
@@ -4621,8 +4689,13 @@
             </a:r>
             <a:r>
               <a:rPr lang="en-US" sz="2400" dirty="0"/>
-              <a:t>11/8/93, 5'10''</a:t>
-            </a:r>
+              <a:t>11/8/93, </a:t>
+            </a:r>
+            <a:r>
+              <a:rPr lang="en-US" sz="2400" dirty="0" smtClean="0"/>
+              <a:t>5'10"</a:t>
+            </a:r>
+            <a:endParaRPr lang="en-US" sz="2400" dirty="0"/>
           </a:p>
           <a:p>
             <a:r>
@@ -4647,8 +4720,13 @@
             </a:r>
             <a:r>
               <a:rPr lang="en-US" sz="2400" dirty="0"/>
-              <a:t>/4/94, 6'</a:t>
-            </a:r>
+              <a:t>/4/94, </a:t>
+            </a:r>
+            <a:r>
+              <a:rPr lang="en-US" sz="2400" dirty="0" smtClean="0"/>
+              <a:t>6’0”</a:t>
+            </a:r>
+            <a:endParaRPr lang="en-US" sz="2400" dirty="0"/>
           </a:p>
           <a:p>
             <a:r>
@@ -4673,8 +4751,13 @@
             </a:r>
             <a:r>
               <a:rPr lang="en-US" sz="2400" dirty="0"/>
-              <a:t>/30/94,6'1''</a:t>
-            </a:r>
+              <a:t>/30/94</a:t>
+            </a:r>
+            <a:r>
+              <a:rPr lang="en-US" sz="2400" dirty="0" smtClean="0"/>
+              <a:t>, 6'1"</a:t>
+            </a:r>
+            <a:endParaRPr lang="en-US" sz="2400" dirty="0"/>
           </a:p>
         </p:txBody>
       </p:sp>
@@ -4766,7 +4849,7 @@
         </p:nvSpPr>
         <p:spPr bwMode="auto">
           <a:xfrm>
-            <a:off x="7877976" y="1909014"/>
+            <a:off x="7817502" y="1183254"/>
             <a:ext cx="82242" cy="3039972"/>
           </a:xfrm>
           <a:prstGeom prst="line">
@@ -4846,7 +4929,7 @@
         </p:nvSpPr>
         <p:spPr>
           <a:xfrm>
-            <a:off x="6944760" y="5134478"/>
+            <a:off x="6884286" y="4408718"/>
             <a:ext cx="2199240" cy="1446550"/>
           </a:xfrm>
           <a:prstGeom prst="rect">
@@ -4873,6 +4956,12 @@
               </a:rPr>
               <a:t>older</a:t>
             </a:r>
+            <a:endParaRPr lang="en-US" sz="4400" dirty="0" smtClean="0">
+              <a:solidFill>
+                <a:srgbClr val="0033CC"/>
+              </a:solidFill>
+              <a:latin typeface="Comic Sans MS" pitchFamily="66" charset="0"/>
+            </a:endParaRPr>
           </a:p>
           <a:p>
             <a:pPr algn="ctr">
@@ -4908,13 +4997,13 @@
   <p:clrMapOvr>
     <a:masterClrMapping/>
   </p:clrMapOvr>
-  <mc:AlternateContent xmlns:mc="http://schemas.openxmlformats.org/markup-compatibility/2006">
-    <mc:Choice xmlns:p14="http://schemas.microsoft.com/office/powerpoint/2010/main" Requires="p14">
+  <mc:AlternateContent xmlns:mc="http://schemas.openxmlformats.org/markup-compatibility/2006" xmlns:p14="http://schemas.microsoft.com/office/powerpoint/2010/main">
+    <mc:Choice Requires="p14">
       <p:transition spd="med" p14:dur="700" advClick="0">
         <p:fade/>
       </p:transition>
     </mc:Choice>
-    <mc:Fallback>
+    <mc:Fallback xmlns="">
       <p:transition xmlns:p14="http://schemas.microsoft.com/office/powerpoint/2010/main" spd="med" advClick="0">
         <p:fade/>
       </p:transition>
@@ -6935,7 +7024,7 @@
           <a:graphicData uri="http://schemas.openxmlformats.org/presentationml/2006/ole">
             <mc:AlternateContent xmlns:mc="http://schemas.openxmlformats.org/markup-compatibility/2006">
               <mc:Choice xmlns:v="urn:schemas-microsoft-com:vml" Requires="v">
-                <p:oleObj spid="_x0000_s80958" name="Equation" r:id="rId4" imgW="850900" imgH="330200" progId="Equation.DSMT4">
+                <p:oleObj spid="_x0000_s80960" name="Equation" r:id="rId4" imgW="850900" imgH="330200" progId="Equation.DSMT4">
                   <p:embed/>
                 </p:oleObj>
               </mc:Choice>
@@ -7415,7 +7504,7 @@
           <a:graphicData uri="http://schemas.openxmlformats.org/presentationml/2006/ole">
             <mc:AlternateContent xmlns:mc="http://schemas.openxmlformats.org/markup-compatibility/2006">
               <mc:Choice xmlns:v="urn:schemas-microsoft-com:vml" Requires="v">
-                <p:oleObj spid="_x0000_s55448" name="Equation" r:id="rId4" imgW="215900" imgH="1270000" progId="Equation.DSMT4">
+                <p:oleObj spid="_x0000_s55452" name="Equation" r:id="rId4" imgW="215900" imgH="1270000" progId="Equation.DSMT4">
                   <p:embed/>
                 </p:oleObj>
               </mc:Choice>
@@ -7750,7 +7839,7 @@
           <a:graphicData uri="http://schemas.openxmlformats.org/presentationml/2006/ole">
             <mc:AlternateContent xmlns:mc="http://schemas.openxmlformats.org/markup-compatibility/2006">
               <mc:Choice xmlns:v="urn:schemas-microsoft-com:vml" Requires="v">
-                <p:oleObj spid="_x0000_s55449" name="Equation" r:id="rId6" imgW="533400" imgH="596900" progId="Equation.DSMT4">
+                <p:oleObj spid="_x0000_s55453" name="Equation" r:id="rId6" imgW="533400" imgH="596900" progId="Equation.DSMT4">
                   <p:embed/>
                 </p:oleObj>
               </mc:Choice>
@@ -7814,7 +7903,7 @@
           <a:graphicData uri="http://schemas.openxmlformats.org/presentationml/2006/ole">
             <mc:AlternateContent xmlns:mc="http://schemas.openxmlformats.org/markup-compatibility/2006">
               <mc:Choice xmlns:v="urn:schemas-microsoft-com:vml" Requires="v">
-                <p:oleObj spid="_x0000_s55450" name="Equation" r:id="rId8" imgW="546100" imgH="177800" progId="Equation.DSMT4">
+                <p:oleObj spid="_x0000_s55454" name="Equation" r:id="rId8" imgW="546100" imgH="177800" progId="Equation.DSMT4">
                   <p:embed/>
                 </p:oleObj>
               </mc:Choice>
@@ -8916,7 +9005,7 @@
           <a:graphicData uri="http://schemas.openxmlformats.org/presentationml/2006/ole">
             <mc:AlternateContent xmlns:mc="http://schemas.openxmlformats.org/markup-compatibility/2006">
               <mc:Choice xmlns:v="urn:schemas-microsoft-com:vml" Requires="v">
-                <p:oleObj spid="_x0000_s107584" name="Equation" r:id="rId4" imgW="266400" imgH="939600" progId="Equation.DSMT4">
+                <p:oleObj spid="_x0000_s107586" name="Equation" r:id="rId4" imgW="266400" imgH="939600" progId="Equation.DSMT4">
                   <p:embed/>
                 </p:oleObj>
               </mc:Choice>
@@ -9560,7 +9649,7 @@
           <a:graphicData uri="http://schemas.openxmlformats.org/presentationml/2006/ole">
             <mc:AlternateContent xmlns:mc="http://schemas.openxmlformats.org/markup-compatibility/2006">
               <mc:Choice xmlns:v="urn:schemas-microsoft-com:vml" Requires="v">
-                <p:oleObj spid="_x0000_s112664" name="Equation" r:id="rId4" imgW="241300" imgH="279400" progId="Equation.DSMT4">
+                <p:oleObj spid="_x0000_s112667" name="Equation" r:id="rId4" imgW="241300" imgH="279400" progId="Equation.DSMT4">
                   <p:embed/>
                 </p:oleObj>
               </mc:Choice>
@@ -9617,7 +9706,7 @@
           <a:graphicData uri="http://schemas.openxmlformats.org/presentationml/2006/ole">
             <mc:AlternateContent xmlns:mc="http://schemas.openxmlformats.org/markup-compatibility/2006">
               <mc:Choice xmlns:v="urn:schemas-microsoft-com:vml" Requires="v">
-                <p:oleObj spid="_x0000_s112665" name="Equation" r:id="rId6" imgW="241300" imgH="279400" progId="Equation.DSMT4">
+                <p:oleObj spid="_x0000_s112668" name="Equation" r:id="rId6" imgW="241300" imgH="279400" progId="Equation.DSMT4">
                   <p:embed/>
                 </p:oleObj>
               </mc:Choice>
